--- a/performance.pptx
+++ b/performance.pptx
@@ -5201,7 +5201,7 @@
         </p:nvSpPr>
         <p:spPr>
           <a:xfrm>
-            <a:off x="1413891" y="-315416"/>
+            <a:off x="1440311" y="-99392"/>
             <a:ext cx="8735325" cy="2046066"/>
           </a:xfrm>
         </p:spPr>
@@ -5214,7 +5214,7 @@
             <a:pPr rtl="0"/>
             <a:r>
               <a:rPr lang="tr" sz="4000" dirty="0"/>
-              <a:t>BMTAL AÇIK KAYNAK KODLU İŞLETİM SİSTEMLERİ DERSİ PERFORMANS ÖDEVİ</a:t>
+              <a:t>AÇIK KAYNAK KODLU İŞLETİM SİSTEMLERİ NASIL KURULUR</a:t>
             </a:r>
           </a:p>
         </p:txBody>
@@ -5240,31 +5240,13 @@
           <a:lstStyle/>
           <a:p>
             <a:pPr rtl="0"/>
-            <a:r>
-              <a:rPr lang="tr-TR" dirty="0"/>
-              <a:t>S</a:t>
-            </a:r>
-            <a:r>
-              <a:rPr lang="tr" dirty="0"/>
-              <a:t>ınıf: 11/a</a:t>
-            </a:r>
+            <a:endParaRPr lang="tr" dirty="0"/>
           </a:p>
           <a:p>
             <a:pPr rtl="0"/>
             <a:r>
               <a:rPr lang="tr" dirty="0"/>
               <a:t>İsim: Mahmut arda pala</a:t>
-            </a:r>
-          </a:p>
-          <a:p>
-            <a:pPr rtl="0"/>
-            <a:r>
-              <a:rPr lang="tr-TR" dirty="0"/>
-              <a:t>N</a:t>
-            </a:r>
-            <a:r>
-              <a:rPr lang="tr" dirty="0"/>
-              <a:t>umara: 229</a:t>
             </a:r>
           </a:p>
           <a:p>
@@ -6057,7 +6039,7 @@
         </p:blipFill>
         <p:spPr>
           <a:xfrm>
-            <a:off x="3358108" y="188640"/>
+            <a:off x="3358106" y="333541"/>
             <a:ext cx="5843725" cy="4395622"/>
           </a:xfrm>
           <a:prstGeom prst="rect">
@@ -6079,7 +6061,7 @@
         </p:nvSpPr>
         <p:spPr>
           <a:xfrm>
-            <a:off x="1989956" y="4653136"/>
+            <a:off x="1927145" y="4874065"/>
             <a:ext cx="9221371" cy="276999"/>
           </a:xfrm>
           <a:prstGeom prst="rect">
@@ -6122,8 +6104,8 @@
         </p:nvSpPr>
         <p:spPr>
           <a:xfrm>
-            <a:off x="3753477" y="4864076"/>
-            <a:ext cx="5052986" cy="1077218"/>
+            <a:off x="4336838" y="6232071"/>
+            <a:ext cx="3515148" cy="584775"/>
           </a:xfrm>
           <a:prstGeom prst="rect">
             <a:avLst/>
@@ -6131,7 +6113,7 @@
           <a:noFill/>
         </p:spPr>
         <p:txBody>
-          <a:bodyPr wrap="none" rtlCol="0">
+          <a:bodyPr wrap="square" rtlCol="0">
             <a:spAutoFit/>
           </a:bodyPr>
           <a:lstStyle/>
@@ -6143,22 +6125,7 @@
                   <a:srgbClr val="008B8B"/>
                 </a:solidFill>
               </a:rPr>
-              <a:t>Okuduğunuz için Teşekkürler </a:t>
-            </a:r>
-            <a:br>
-              <a:rPr lang="tr-TR" sz="3200" dirty="0">
-                <a:solidFill>
-                  <a:srgbClr val="008B8B"/>
-                </a:solidFill>
-              </a:rPr>
-            </a:br>
-            <a:r>
-              <a:rPr lang="tr-TR" sz="3200" dirty="0">
-                <a:solidFill>
-                  <a:srgbClr val="008B8B"/>
-                </a:solidFill>
-              </a:rPr>
-              <a:t>11/A Mahmut Arda Pala</a:t>
+              <a:t>Mahmut Arda Pala</a:t>
             </a:r>
           </a:p>
         </p:txBody>
